--- a/docs/diagrams/UndoRedoNewCommand2StateListDiagram.pptx
+++ b/docs/diagrams/UndoRedoNewCommand2StateListDiagram.pptx
@@ -112,10 +112,6 @@
 </p:presentation>
 </file>
 
-<file path=ppt/revisionInfo.xml><?xml version="1.0" encoding="utf-8"?>
-<p1510:revInfo xmlns:a="http://schemas.openxmlformats.org/drawingml/2006/main" xmlns:r="http://schemas.openxmlformats.org/officeDocument/2006/relationships" xmlns:p1510="http://schemas.microsoft.com/office/powerpoint/2015/10/main"/>
-</file>
-
 <file path=ppt/slideLayouts/slideLayout1.xml><?xml version="1.0" encoding="utf-8"?>
 <p:sldLayout xmlns:a="http://schemas.openxmlformats.org/drawingml/2006/main" xmlns:r="http://schemas.openxmlformats.org/officeDocument/2006/relationships" xmlns:p="http://schemas.openxmlformats.org/presentationml/2006/main" type="title" preserve="1">
   <p:cSld name="Title Slide">
@@ -265,7 +261,7 @@
           <a:p>
             <a:fld id="{03EC4E3E-8101-482F-A883-8B55DAFF7C07}" type="datetimeFigureOut">
               <a:rPr lang="en-SG" smtClean="0"/>
-              <a:t>6/7/2018</a:t>
+              <a:t>31/3/2019</a:t>
             </a:fld>
             <a:endParaRPr lang="en-SG"/>
           </a:p>
@@ -465,7 +461,7 @@
           <a:p>
             <a:fld id="{03EC4E3E-8101-482F-A883-8B55DAFF7C07}" type="datetimeFigureOut">
               <a:rPr lang="en-SG" smtClean="0"/>
-              <a:t>6/7/2018</a:t>
+              <a:t>31/3/2019</a:t>
             </a:fld>
             <a:endParaRPr lang="en-SG"/>
           </a:p>
@@ -675,7 +671,7 @@
           <a:p>
             <a:fld id="{03EC4E3E-8101-482F-A883-8B55DAFF7C07}" type="datetimeFigureOut">
               <a:rPr lang="en-SG" smtClean="0"/>
-              <a:t>6/7/2018</a:t>
+              <a:t>31/3/2019</a:t>
             </a:fld>
             <a:endParaRPr lang="en-SG"/>
           </a:p>
@@ -875,7 +871,7 @@
           <a:p>
             <a:fld id="{03EC4E3E-8101-482F-A883-8B55DAFF7C07}" type="datetimeFigureOut">
               <a:rPr lang="en-SG" smtClean="0"/>
-              <a:t>6/7/2018</a:t>
+              <a:t>31/3/2019</a:t>
             </a:fld>
             <a:endParaRPr lang="en-SG"/>
           </a:p>
@@ -1151,7 +1147,7 @@
           <a:p>
             <a:fld id="{03EC4E3E-8101-482F-A883-8B55DAFF7C07}" type="datetimeFigureOut">
               <a:rPr lang="en-SG" smtClean="0"/>
-              <a:t>6/7/2018</a:t>
+              <a:t>31/3/2019</a:t>
             </a:fld>
             <a:endParaRPr lang="en-SG"/>
           </a:p>
@@ -1419,7 +1415,7 @@
           <a:p>
             <a:fld id="{03EC4E3E-8101-482F-A883-8B55DAFF7C07}" type="datetimeFigureOut">
               <a:rPr lang="en-SG" smtClean="0"/>
-              <a:t>6/7/2018</a:t>
+              <a:t>31/3/2019</a:t>
             </a:fld>
             <a:endParaRPr lang="en-SG"/>
           </a:p>
@@ -1834,7 +1830,7 @@
           <a:p>
             <a:fld id="{03EC4E3E-8101-482F-A883-8B55DAFF7C07}" type="datetimeFigureOut">
               <a:rPr lang="en-SG" smtClean="0"/>
-              <a:t>6/7/2018</a:t>
+              <a:t>31/3/2019</a:t>
             </a:fld>
             <a:endParaRPr lang="en-SG"/>
           </a:p>
@@ -1976,7 +1972,7 @@
           <a:p>
             <a:fld id="{03EC4E3E-8101-482F-A883-8B55DAFF7C07}" type="datetimeFigureOut">
               <a:rPr lang="en-SG" smtClean="0"/>
-              <a:t>6/7/2018</a:t>
+              <a:t>31/3/2019</a:t>
             </a:fld>
             <a:endParaRPr lang="en-SG"/>
           </a:p>
@@ -2089,7 +2085,7 @@
           <a:p>
             <a:fld id="{03EC4E3E-8101-482F-A883-8B55DAFF7C07}" type="datetimeFigureOut">
               <a:rPr lang="en-SG" smtClean="0"/>
-              <a:t>6/7/2018</a:t>
+              <a:t>31/3/2019</a:t>
             </a:fld>
             <a:endParaRPr lang="en-SG"/>
           </a:p>
@@ -2402,7 +2398,7 @@
           <a:p>
             <a:fld id="{03EC4E3E-8101-482F-A883-8B55DAFF7C07}" type="datetimeFigureOut">
               <a:rPr lang="en-SG" smtClean="0"/>
-              <a:t>6/7/2018</a:t>
+              <a:t>31/3/2019</a:t>
             </a:fld>
             <a:endParaRPr lang="en-SG"/>
           </a:p>
@@ -2691,7 +2687,7 @@
           <a:p>
             <a:fld id="{03EC4E3E-8101-482F-A883-8B55DAFF7C07}" type="datetimeFigureOut">
               <a:rPr lang="en-SG" smtClean="0"/>
-              <a:t>6/7/2018</a:t>
+              <a:t>31/3/2019</a:t>
             </a:fld>
             <a:endParaRPr lang="en-SG"/>
           </a:p>
@@ -2934,7 +2930,7 @@
           <a:p>
             <a:fld id="{03EC4E3E-8101-482F-A883-8B55DAFF7C07}" type="datetimeFigureOut">
               <a:rPr lang="en-SG" smtClean="0"/>
-              <a:t>6/7/2018</a:t>
+              <a:t>31/3/2019</a:t>
             </a:fld>
             <a:endParaRPr lang="en-SG"/>
           </a:p>
@@ -3360,7 +3356,7 @@
         <p:spPr>
           <a:xfrm>
             <a:off x="5129284" y="2264095"/>
-            <a:ext cx="1933431" cy="1383977"/>
+            <a:ext cx="2556976" cy="1383977"/>
           </a:xfrm>
           <a:prstGeom prst="downArrow">
             <a:avLst/>
@@ -3389,7 +3385,14 @@
             <a:pPr algn="ctr"/>
             <a:r>
               <a:rPr lang="en-SG" dirty="0"/>
-              <a:t>Add n/David… </a:t>
+              <a:t>Add</a:t>
+            </a:r>
+          </a:p>
+          <a:p>
+            <a:pPr algn="ctr"/>
+            <a:r>
+              <a:rPr lang="en-SG" dirty="0"/>
+              <a:t>Employee n/David… </a:t>
             </a:r>
             <a:endParaRPr lang="en-US" dirty="0"/>
           </a:p>
@@ -3454,14 +3457,14 @@
           <p:nvPr>
             <p:extLst>
               <p:ext uri="{D42A27DB-BD31-4B8C-83A1-F6EECF244321}">
-                <p14:modId xmlns:p14="http://schemas.microsoft.com/office/powerpoint/2010/main" val="3571951523"/>
+                <p14:modId xmlns:p14="http://schemas.microsoft.com/office/powerpoint/2010/main" val="4278797732"/>
               </p:ext>
             </p:extLst>
           </p:nvPr>
         </p:nvGraphicFramePr>
         <p:xfrm>
-          <a:off x="473240" y="1476102"/>
-          <a:ext cx="1825824" cy="417888"/>
+          <a:off x="473239" y="1476102"/>
+          <a:ext cx="2017985" cy="417888"/>
         </p:xfrm>
         <a:graphic>
           <a:graphicData uri="http://schemas.openxmlformats.org/drawingml/2006/table">
@@ -3470,7 +3473,7 @@
                 <a:tableStyleId>{638B1855-1B75-4FBE-930C-398BA8C253C6}</a:tableStyleId>
               </a:tblPr>
               <a:tblGrid>
-                <a:gridCol w="1825824">
+                <a:gridCol w="2017985">
                   <a:extLst>
                     <a:ext uri="{9D8B030D-6E8A-4147-A177-3AD203B41FA5}">
                       <a16:colId xmlns:a16="http://schemas.microsoft.com/office/drawing/2014/main" val="4240773277"/>
@@ -3486,11 +3489,7 @@
                     <a:p>
                       <a:r>
                         <a:rPr lang="en-SG" u="sng" dirty="0"/>
-                        <a:t>ab0:A</a:t>
-                      </a:r>
-                      <a:r>
-                        <a:rPr lang="en-SG" sz="1800" u="sng" dirty="0"/>
-                        <a:t>ddressBook</a:t>
+                        <a:t>pp0:PocketProject</a:t>
                       </a:r>
                       <a:endParaRPr lang="en-SG" sz="1600" u="sng" dirty="0"/>
                     </a:p>
@@ -3658,14 +3657,14 @@
           <p:nvPr>
             <p:extLst>
               <p:ext uri="{D42A27DB-BD31-4B8C-83A1-F6EECF244321}">
-                <p14:modId xmlns:p14="http://schemas.microsoft.com/office/powerpoint/2010/main" val="2341913009"/>
+                <p14:modId xmlns:p14="http://schemas.microsoft.com/office/powerpoint/2010/main" val="3699148628"/>
               </p:ext>
             </p:extLst>
           </p:nvPr>
         </p:nvGraphicFramePr>
         <p:xfrm>
-          <a:off x="2491232" y="1476102"/>
-          <a:ext cx="1825824" cy="417888"/>
+          <a:off x="2601884" y="1476102"/>
+          <a:ext cx="2017985" cy="417888"/>
         </p:xfrm>
         <a:graphic>
           <a:graphicData uri="http://schemas.openxmlformats.org/drawingml/2006/table">
@@ -3674,7 +3673,7 @@
                 <a:tableStyleId>{638B1855-1B75-4FBE-930C-398BA8C253C6}</a:tableStyleId>
               </a:tblPr>
               <a:tblGrid>
-                <a:gridCol w="1825824">
+                <a:gridCol w="2017985">
                   <a:extLst>
                     <a:ext uri="{9D8B030D-6E8A-4147-A177-3AD203B41FA5}">
                       <a16:colId xmlns:a16="http://schemas.microsoft.com/office/drawing/2014/main" val="4240773277"/>
@@ -3690,11 +3689,7 @@
                     <a:p>
                       <a:r>
                         <a:rPr lang="en-SG" u="sng" dirty="0"/>
-                        <a:t>ab1:A</a:t>
-                      </a:r>
-                      <a:r>
-                        <a:rPr lang="en-SG" sz="1800" u="sng" dirty="0"/>
-                        <a:t>ddressBook</a:t>
+                        <a:t>pp1:PocketProject</a:t>
                       </a:r>
                       <a:endParaRPr lang="en-SG" sz="1600" u="sng" dirty="0"/>
                     </a:p>
@@ -3726,14 +3721,14 @@
           <p:nvPr>
             <p:extLst>
               <p:ext uri="{D42A27DB-BD31-4B8C-83A1-F6EECF244321}">
-                <p14:modId xmlns:p14="http://schemas.microsoft.com/office/powerpoint/2010/main" val="2172716932"/>
+                <p14:modId xmlns:p14="http://schemas.microsoft.com/office/powerpoint/2010/main" val="1560358111"/>
               </p:ext>
             </p:extLst>
           </p:nvPr>
         </p:nvGraphicFramePr>
         <p:xfrm>
-          <a:off x="4509224" y="3926589"/>
-          <a:ext cx="1825824" cy="417888"/>
+          <a:off x="4619868" y="3914498"/>
+          <a:ext cx="2017979" cy="417888"/>
         </p:xfrm>
         <a:graphic>
           <a:graphicData uri="http://schemas.openxmlformats.org/drawingml/2006/table">
@@ -3742,7 +3737,7 @@
                 <a:tableStyleId>{638B1855-1B75-4FBE-930C-398BA8C253C6}</a:tableStyleId>
               </a:tblPr>
               <a:tblGrid>
-                <a:gridCol w="1825824">
+                <a:gridCol w="2017979">
                   <a:extLst>
                     <a:ext uri="{9D8B030D-6E8A-4147-A177-3AD203B41FA5}">
                       <a16:colId xmlns:a16="http://schemas.microsoft.com/office/drawing/2014/main" val="4240773277"/>
@@ -3757,12 +3752,8 @@
                     <a:lstStyle/>
                     <a:p>
                       <a:r>
-                        <a:rPr lang="en-SG" u="sng"/>
-                        <a:t>ab2:A</a:t>
-                      </a:r>
-                      <a:r>
-                        <a:rPr lang="en-SG" sz="1800" u="sng"/>
-                        <a:t>ddressBook</a:t>
+                        <a:rPr lang="en-SG" u="sng" dirty="0"/>
+                        <a:t>pp2:PocketProject</a:t>
                       </a:r>
                       <a:endParaRPr lang="en-SG" sz="1600" u="sng" dirty="0"/>
                     </a:p>
@@ -3794,14 +3785,14 @@
           <p:nvPr>
             <p:extLst>
               <p:ext uri="{D42A27DB-BD31-4B8C-83A1-F6EECF244321}">
-                <p14:modId xmlns:p14="http://schemas.microsoft.com/office/powerpoint/2010/main" val="4094059841"/>
+                <p14:modId xmlns:p14="http://schemas.microsoft.com/office/powerpoint/2010/main" val="1314045262"/>
               </p:ext>
             </p:extLst>
           </p:nvPr>
         </p:nvGraphicFramePr>
         <p:xfrm>
-          <a:off x="2491232" y="3908450"/>
-          <a:ext cx="1825824" cy="417888"/>
+          <a:off x="2557492" y="3908450"/>
+          <a:ext cx="2017980" cy="417888"/>
         </p:xfrm>
         <a:graphic>
           <a:graphicData uri="http://schemas.openxmlformats.org/drawingml/2006/table">
@@ -3810,7 +3801,7 @@
                 <a:tableStyleId>{638B1855-1B75-4FBE-930C-398BA8C253C6}</a:tableStyleId>
               </a:tblPr>
               <a:tblGrid>
-                <a:gridCol w="1825824">
+                <a:gridCol w="2017980">
                   <a:extLst>
                     <a:ext uri="{9D8B030D-6E8A-4147-A177-3AD203B41FA5}">
                       <a16:colId xmlns:a16="http://schemas.microsoft.com/office/drawing/2014/main" val="4240773277"/>
@@ -3826,11 +3817,7 @@
                     <a:p>
                       <a:r>
                         <a:rPr lang="en-SG" u="sng" dirty="0"/>
-                        <a:t>ab1:A</a:t>
-                      </a:r>
-                      <a:r>
-                        <a:rPr lang="en-SG" sz="1800" u="sng" dirty="0"/>
-                        <a:t>ddressBook</a:t>
+                        <a:t>pp1:PocketProject</a:t>
                       </a:r>
                       <a:endParaRPr lang="en-SG" sz="1600" u="sng" dirty="0"/>
                     </a:p>
@@ -3862,14 +3849,14 @@
           <p:nvPr>
             <p:extLst>
               <p:ext uri="{D42A27DB-BD31-4B8C-83A1-F6EECF244321}">
-                <p14:modId xmlns:p14="http://schemas.microsoft.com/office/powerpoint/2010/main" val="3467820198"/>
+                <p14:modId xmlns:p14="http://schemas.microsoft.com/office/powerpoint/2010/main" val="667504947"/>
               </p:ext>
             </p:extLst>
           </p:nvPr>
         </p:nvGraphicFramePr>
         <p:xfrm>
-          <a:off x="473240" y="3908450"/>
-          <a:ext cx="1825824" cy="417888"/>
+          <a:off x="473239" y="3908450"/>
+          <a:ext cx="2017981" cy="417888"/>
         </p:xfrm>
         <a:graphic>
           <a:graphicData uri="http://schemas.openxmlformats.org/drawingml/2006/table">
@@ -3878,7 +3865,7 @@
                 <a:tableStyleId>{638B1855-1B75-4FBE-930C-398BA8C253C6}</a:tableStyleId>
               </a:tblPr>
               <a:tblGrid>
-                <a:gridCol w="1825824">
+                <a:gridCol w="2017981">
                   <a:extLst>
                     <a:ext uri="{9D8B030D-6E8A-4147-A177-3AD203B41FA5}">
                       <a16:colId xmlns:a16="http://schemas.microsoft.com/office/drawing/2014/main" val="4240773277"/>
@@ -3894,11 +3881,7 @@
                     <a:p>
                       <a:r>
                         <a:rPr lang="en-SG" u="sng" dirty="0"/>
-                        <a:t>ab0:A</a:t>
-                      </a:r>
-                      <a:r>
-                        <a:rPr lang="en-SG" sz="1800" u="sng" dirty="0"/>
-                        <a:t>ddressBook</a:t>
+                        <a:t>pp0:PocketProject</a:t>
                       </a:r>
                       <a:endParaRPr lang="en-SG" sz="1600" u="sng" dirty="0"/>
                     </a:p>
